--- a/presentations/Circuits/Basic Circuit.pptx
+++ b/presentations/Circuits/Basic Circuit.pptx
@@ -5,7 +5,7 @@
     <p:sldMasterId id="2147483648" r:id="rId1"/>
   </p:sldMasterIdLst>
   <p:notesMasterIdLst>
-    <p:notesMasterId r:id="rId18"/>
+    <p:notesMasterId r:id="rId20"/>
   </p:notesMasterIdLst>
   <p:sldIdLst>
     <p:sldId id="256" r:id="rId2"/>
@@ -24,6 +24,8 @@
     <p:sldId id="271" r:id="rId15"/>
     <p:sldId id="279" r:id="rId16"/>
     <p:sldId id="272" r:id="rId17"/>
+    <p:sldId id="280" r:id="rId18"/>
+    <p:sldId id="281" r:id="rId19"/>
   </p:sldIdLst>
   <p:sldSz cx="12192000" cy="6858000"/>
   <p:notesSz cx="6858000" cy="9144000"/>
@@ -212,7 +214,7 @@
           <a:p>
             <a:fld id="{DA47179E-54C1-4610-B24A-EB11BB63CC7F}" type="datetimeFigureOut">
               <a:rPr lang="en-US" smtClean="0"/>
-              <a:t>3/18/17</a:t>
+              <a:t>4/26/2021</a:t>
             </a:fld>
             <a:endParaRPr lang="en-US"/>
           </a:p>
@@ -276,38 +278,37 @@
           <a:p>
             <a:pPr lvl="0"/>
             <a:r>
-              <a:rPr lang="en-US" smtClean="0"/>
+              <a:rPr lang="en-US"/>
               <a:t>Click to edit Master text styles</a:t>
             </a:r>
           </a:p>
           <a:p>
             <a:pPr lvl="1"/>
             <a:r>
-              <a:rPr lang="en-US" smtClean="0"/>
+              <a:rPr lang="en-US"/>
               <a:t>Second level</a:t>
             </a:r>
           </a:p>
           <a:p>
             <a:pPr lvl="2"/>
             <a:r>
-              <a:rPr lang="en-US" smtClean="0"/>
+              <a:rPr lang="en-US"/>
               <a:t>Third level</a:t>
             </a:r>
           </a:p>
           <a:p>
             <a:pPr lvl="3"/>
             <a:r>
-              <a:rPr lang="en-US" smtClean="0"/>
+              <a:rPr lang="en-US"/>
               <a:t>Fourth level</a:t>
             </a:r>
           </a:p>
           <a:p>
             <a:pPr lvl="4"/>
             <a:r>
-              <a:rPr lang="en-US" smtClean="0"/>
+              <a:rPr lang="en-US"/>
               <a:t>Fifth level</a:t>
             </a:r>
-            <a:endParaRPr lang="en-US"/>
           </a:p>
         </p:txBody>
       </p:sp>
@@ -612,10 +613,9 @@
           </a:lstStyle>
           <a:p>
             <a:r>
-              <a:rPr lang="en-US" smtClean="0"/>
+              <a:rPr lang="en-US"/>
               <a:t>Click to edit Master title style</a:t>
             </a:r>
-            <a:endParaRPr lang="en-US"/>
           </a:p>
         </p:txBody>
       </p:sp>
@@ -677,10 +677,9 @@
           </a:lstStyle>
           <a:p>
             <a:r>
-              <a:rPr lang="en-US" smtClean="0"/>
+              <a:rPr lang="en-US"/>
               <a:t>Click to edit Master subtitle style</a:t>
             </a:r>
-            <a:endParaRPr lang="en-US"/>
           </a:p>
         </p:txBody>
       </p:sp>
@@ -701,7 +700,7 @@
           <a:p>
             <a:fld id="{E9BE04B4-6C31-4481-99E0-ADD221C65B37}" type="datetimeFigureOut">
               <a:rPr lang="en-US" smtClean="0"/>
-              <a:t>3/18/17</a:t>
+              <a:t>4/26/2021</a:t>
             </a:fld>
             <a:endParaRPr lang="en-US"/>
           </a:p>
@@ -795,10 +794,9 @@
           <a:lstStyle/>
           <a:p>
             <a:r>
-              <a:rPr lang="en-US" smtClean="0"/>
+              <a:rPr lang="en-US"/>
               <a:t>Click to edit Master title style</a:t>
             </a:r>
-            <a:endParaRPr lang="en-US"/>
           </a:p>
         </p:txBody>
       </p:sp>
@@ -819,38 +817,37 @@
           <a:p>
             <a:pPr lvl="0"/>
             <a:r>
-              <a:rPr lang="en-US" smtClean="0"/>
+              <a:rPr lang="en-US"/>
               <a:t>Click to edit Master text styles</a:t>
             </a:r>
           </a:p>
           <a:p>
             <a:pPr lvl="1"/>
             <a:r>
-              <a:rPr lang="en-US" smtClean="0"/>
+              <a:rPr lang="en-US"/>
               <a:t>Second level</a:t>
             </a:r>
           </a:p>
           <a:p>
             <a:pPr lvl="2"/>
             <a:r>
-              <a:rPr lang="en-US" smtClean="0"/>
+              <a:rPr lang="en-US"/>
               <a:t>Third level</a:t>
             </a:r>
           </a:p>
           <a:p>
             <a:pPr lvl="3"/>
             <a:r>
-              <a:rPr lang="en-US" smtClean="0"/>
+              <a:rPr lang="en-US"/>
               <a:t>Fourth level</a:t>
             </a:r>
           </a:p>
           <a:p>
             <a:pPr lvl="4"/>
             <a:r>
-              <a:rPr lang="en-US" smtClean="0"/>
+              <a:rPr lang="en-US"/>
               <a:t>Fifth level</a:t>
             </a:r>
-            <a:endParaRPr lang="en-US"/>
           </a:p>
         </p:txBody>
       </p:sp>
@@ -871,7 +868,7 @@
           <a:p>
             <a:fld id="{E9BE04B4-6C31-4481-99E0-ADD221C65B37}" type="datetimeFigureOut">
               <a:rPr lang="en-US" smtClean="0"/>
-              <a:t>3/18/17</a:t>
+              <a:t>4/26/2021</a:t>
             </a:fld>
             <a:endParaRPr lang="en-US"/>
           </a:p>
@@ -970,10 +967,9 @@
           <a:lstStyle/>
           <a:p>
             <a:r>
-              <a:rPr lang="en-US" smtClean="0"/>
+              <a:rPr lang="en-US"/>
               <a:t>Click to edit Master title style</a:t>
             </a:r>
-            <a:endParaRPr lang="en-US"/>
           </a:p>
         </p:txBody>
       </p:sp>
@@ -999,38 +995,37 @@
           <a:p>
             <a:pPr lvl="0"/>
             <a:r>
-              <a:rPr lang="en-US" smtClean="0"/>
+              <a:rPr lang="en-US"/>
               <a:t>Click to edit Master text styles</a:t>
             </a:r>
           </a:p>
           <a:p>
             <a:pPr lvl="1"/>
             <a:r>
-              <a:rPr lang="en-US" smtClean="0"/>
+              <a:rPr lang="en-US"/>
               <a:t>Second level</a:t>
             </a:r>
           </a:p>
           <a:p>
             <a:pPr lvl="2"/>
             <a:r>
-              <a:rPr lang="en-US" smtClean="0"/>
+              <a:rPr lang="en-US"/>
               <a:t>Third level</a:t>
             </a:r>
           </a:p>
           <a:p>
             <a:pPr lvl="3"/>
             <a:r>
-              <a:rPr lang="en-US" smtClean="0"/>
+              <a:rPr lang="en-US"/>
               <a:t>Fourth level</a:t>
             </a:r>
           </a:p>
           <a:p>
             <a:pPr lvl="4"/>
             <a:r>
-              <a:rPr lang="en-US" smtClean="0"/>
+              <a:rPr lang="en-US"/>
               <a:t>Fifth level</a:t>
             </a:r>
-            <a:endParaRPr lang="en-US"/>
           </a:p>
         </p:txBody>
       </p:sp>
@@ -1051,7 +1046,7 @@
           <a:p>
             <a:fld id="{E9BE04B4-6C31-4481-99E0-ADD221C65B37}" type="datetimeFigureOut">
               <a:rPr lang="en-US" smtClean="0"/>
-              <a:t>3/18/17</a:t>
+              <a:t>4/26/2021</a:t>
             </a:fld>
             <a:endParaRPr lang="en-US"/>
           </a:p>
@@ -1145,10 +1140,9 @@
           <a:lstStyle/>
           <a:p>
             <a:r>
-              <a:rPr lang="en-US" smtClean="0"/>
+              <a:rPr lang="en-US"/>
               <a:t>Click to edit Master title style</a:t>
             </a:r>
-            <a:endParaRPr lang="en-US"/>
           </a:p>
         </p:txBody>
       </p:sp>
@@ -1169,38 +1163,37 @@
           <a:p>
             <a:pPr lvl="0"/>
             <a:r>
-              <a:rPr lang="en-US" smtClean="0"/>
+              <a:rPr lang="en-US"/>
               <a:t>Click to edit Master text styles</a:t>
             </a:r>
           </a:p>
           <a:p>
             <a:pPr lvl="1"/>
             <a:r>
-              <a:rPr lang="en-US" smtClean="0"/>
+              <a:rPr lang="en-US"/>
               <a:t>Second level</a:t>
             </a:r>
           </a:p>
           <a:p>
             <a:pPr lvl="2"/>
             <a:r>
-              <a:rPr lang="en-US" smtClean="0"/>
+              <a:rPr lang="en-US"/>
               <a:t>Third level</a:t>
             </a:r>
           </a:p>
           <a:p>
             <a:pPr lvl="3"/>
             <a:r>
-              <a:rPr lang="en-US" smtClean="0"/>
+              <a:rPr lang="en-US"/>
               <a:t>Fourth level</a:t>
             </a:r>
           </a:p>
           <a:p>
             <a:pPr lvl="4"/>
             <a:r>
-              <a:rPr lang="en-US" smtClean="0"/>
+              <a:rPr lang="en-US"/>
               <a:t>Fifth level</a:t>
             </a:r>
-            <a:endParaRPr lang="en-US"/>
           </a:p>
         </p:txBody>
       </p:sp>
@@ -1221,7 +1214,7 @@
           <a:p>
             <a:fld id="{E9BE04B4-6C31-4481-99E0-ADD221C65B37}" type="datetimeFigureOut">
               <a:rPr lang="en-US" smtClean="0"/>
-              <a:t>3/18/17</a:t>
+              <a:t>4/26/2021</a:t>
             </a:fld>
             <a:endParaRPr lang="en-US"/>
           </a:p>
@@ -1324,10 +1317,9 @@
           </a:lstStyle>
           <a:p>
             <a:r>
-              <a:rPr lang="en-US" smtClean="0"/>
+              <a:rPr lang="en-US"/>
               <a:t>Click to edit Master title style</a:t>
             </a:r>
-            <a:endParaRPr lang="en-US"/>
           </a:p>
         </p:txBody>
       </p:sp>
@@ -1444,7 +1436,7 @@
           <a:p>
             <a:pPr lvl="0"/>
             <a:r>
-              <a:rPr lang="en-US" smtClean="0"/>
+              <a:rPr lang="en-US"/>
               <a:t>Click to edit Master text styles</a:t>
             </a:r>
           </a:p>
@@ -1467,7 +1459,7 @@
           <a:p>
             <a:fld id="{E9BE04B4-6C31-4481-99E0-ADD221C65B37}" type="datetimeFigureOut">
               <a:rPr lang="en-US" smtClean="0"/>
-              <a:t>3/18/17</a:t>
+              <a:t>4/26/2021</a:t>
             </a:fld>
             <a:endParaRPr lang="en-US"/>
           </a:p>
@@ -1561,10 +1553,9 @@
           <a:lstStyle/>
           <a:p>
             <a:r>
-              <a:rPr lang="en-US" smtClean="0"/>
+              <a:rPr lang="en-US"/>
               <a:t>Click to edit Master title style</a:t>
             </a:r>
-            <a:endParaRPr lang="en-US"/>
           </a:p>
         </p:txBody>
       </p:sp>
@@ -1590,38 +1581,37 @@
           <a:p>
             <a:pPr lvl="0"/>
             <a:r>
-              <a:rPr lang="en-US" smtClean="0"/>
+              <a:rPr lang="en-US"/>
               <a:t>Click to edit Master text styles</a:t>
             </a:r>
           </a:p>
           <a:p>
             <a:pPr lvl="1"/>
             <a:r>
-              <a:rPr lang="en-US" smtClean="0"/>
+              <a:rPr lang="en-US"/>
               <a:t>Second level</a:t>
             </a:r>
           </a:p>
           <a:p>
             <a:pPr lvl="2"/>
             <a:r>
-              <a:rPr lang="en-US" smtClean="0"/>
+              <a:rPr lang="en-US"/>
               <a:t>Third level</a:t>
             </a:r>
           </a:p>
           <a:p>
             <a:pPr lvl="3"/>
             <a:r>
-              <a:rPr lang="en-US" smtClean="0"/>
+              <a:rPr lang="en-US"/>
               <a:t>Fourth level</a:t>
             </a:r>
           </a:p>
           <a:p>
             <a:pPr lvl="4"/>
             <a:r>
-              <a:rPr lang="en-US" smtClean="0"/>
+              <a:rPr lang="en-US"/>
               <a:t>Fifth level</a:t>
             </a:r>
-            <a:endParaRPr lang="en-US"/>
           </a:p>
         </p:txBody>
       </p:sp>
@@ -1647,38 +1637,37 @@
           <a:p>
             <a:pPr lvl="0"/>
             <a:r>
-              <a:rPr lang="en-US" smtClean="0"/>
+              <a:rPr lang="en-US"/>
               <a:t>Click to edit Master text styles</a:t>
             </a:r>
           </a:p>
           <a:p>
             <a:pPr lvl="1"/>
             <a:r>
-              <a:rPr lang="en-US" smtClean="0"/>
+              <a:rPr lang="en-US"/>
               <a:t>Second level</a:t>
             </a:r>
           </a:p>
           <a:p>
             <a:pPr lvl="2"/>
             <a:r>
-              <a:rPr lang="en-US" smtClean="0"/>
+              <a:rPr lang="en-US"/>
               <a:t>Third level</a:t>
             </a:r>
           </a:p>
           <a:p>
             <a:pPr lvl="3"/>
             <a:r>
-              <a:rPr lang="en-US" smtClean="0"/>
+              <a:rPr lang="en-US"/>
               <a:t>Fourth level</a:t>
             </a:r>
           </a:p>
           <a:p>
             <a:pPr lvl="4"/>
             <a:r>
-              <a:rPr lang="en-US" smtClean="0"/>
+              <a:rPr lang="en-US"/>
               <a:t>Fifth level</a:t>
             </a:r>
-            <a:endParaRPr lang="en-US"/>
           </a:p>
         </p:txBody>
       </p:sp>
@@ -1699,7 +1688,7 @@
           <a:p>
             <a:fld id="{E9BE04B4-6C31-4481-99E0-ADD221C65B37}" type="datetimeFigureOut">
               <a:rPr lang="en-US" smtClean="0"/>
-              <a:t>3/18/17</a:t>
+              <a:t>4/26/2021</a:t>
             </a:fld>
             <a:endParaRPr lang="en-US"/>
           </a:p>
@@ -1798,10 +1787,9 @@
           <a:lstStyle/>
           <a:p>
             <a:r>
-              <a:rPr lang="en-US" smtClean="0"/>
+              <a:rPr lang="en-US"/>
               <a:t>Click to edit Master title style</a:t>
             </a:r>
-            <a:endParaRPr lang="en-US"/>
           </a:p>
         </p:txBody>
       </p:sp>
@@ -1864,7 +1852,7 @@
           <a:p>
             <a:pPr lvl="0"/>
             <a:r>
-              <a:rPr lang="en-US" smtClean="0"/>
+              <a:rPr lang="en-US"/>
               <a:t>Click to edit Master text styles</a:t>
             </a:r>
           </a:p>
@@ -1892,38 +1880,37 @@
           <a:p>
             <a:pPr lvl="0"/>
             <a:r>
-              <a:rPr lang="en-US" smtClean="0"/>
+              <a:rPr lang="en-US"/>
               <a:t>Click to edit Master text styles</a:t>
             </a:r>
           </a:p>
           <a:p>
             <a:pPr lvl="1"/>
             <a:r>
-              <a:rPr lang="en-US" smtClean="0"/>
+              <a:rPr lang="en-US"/>
               <a:t>Second level</a:t>
             </a:r>
           </a:p>
           <a:p>
             <a:pPr lvl="2"/>
             <a:r>
-              <a:rPr lang="en-US" smtClean="0"/>
+              <a:rPr lang="en-US"/>
               <a:t>Third level</a:t>
             </a:r>
           </a:p>
           <a:p>
             <a:pPr lvl="3"/>
             <a:r>
-              <a:rPr lang="en-US" smtClean="0"/>
+              <a:rPr lang="en-US"/>
               <a:t>Fourth level</a:t>
             </a:r>
           </a:p>
           <a:p>
             <a:pPr lvl="4"/>
             <a:r>
-              <a:rPr lang="en-US" smtClean="0"/>
+              <a:rPr lang="en-US"/>
               <a:t>Fifth level</a:t>
             </a:r>
-            <a:endParaRPr lang="en-US"/>
           </a:p>
         </p:txBody>
       </p:sp>
@@ -1986,7 +1973,7 @@
           <a:p>
             <a:pPr lvl="0"/>
             <a:r>
-              <a:rPr lang="en-US" smtClean="0"/>
+              <a:rPr lang="en-US"/>
               <a:t>Click to edit Master text styles</a:t>
             </a:r>
           </a:p>
@@ -2014,38 +2001,37 @@
           <a:p>
             <a:pPr lvl="0"/>
             <a:r>
-              <a:rPr lang="en-US" smtClean="0"/>
+              <a:rPr lang="en-US"/>
               <a:t>Click to edit Master text styles</a:t>
             </a:r>
           </a:p>
           <a:p>
             <a:pPr lvl="1"/>
             <a:r>
-              <a:rPr lang="en-US" smtClean="0"/>
+              <a:rPr lang="en-US"/>
               <a:t>Second level</a:t>
             </a:r>
           </a:p>
           <a:p>
             <a:pPr lvl="2"/>
             <a:r>
-              <a:rPr lang="en-US" smtClean="0"/>
+              <a:rPr lang="en-US"/>
               <a:t>Third level</a:t>
             </a:r>
           </a:p>
           <a:p>
             <a:pPr lvl="3"/>
             <a:r>
-              <a:rPr lang="en-US" smtClean="0"/>
+              <a:rPr lang="en-US"/>
               <a:t>Fourth level</a:t>
             </a:r>
           </a:p>
           <a:p>
             <a:pPr lvl="4"/>
             <a:r>
-              <a:rPr lang="en-US" smtClean="0"/>
+              <a:rPr lang="en-US"/>
               <a:t>Fifth level</a:t>
             </a:r>
-            <a:endParaRPr lang="en-US"/>
           </a:p>
         </p:txBody>
       </p:sp>
@@ -2066,7 +2052,7 @@
           <a:p>
             <a:fld id="{E9BE04B4-6C31-4481-99E0-ADD221C65B37}" type="datetimeFigureOut">
               <a:rPr lang="en-US" smtClean="0"/>
-              <a:t>3/18/17</a:t>
+              <a:t>4/26/2021</a:t>
             </a:fld>
             <a:endParaRPr lang="en-US"/>
           </a:p>
@@ -2160,10 +2146,9 @@
           <a:lstStyle/>
           <a:p>
             <a:r>
-              <a:rPr lang="en-US" smtClean="0"/>
+              <a:rPr lang="en-US"/>
               <a:t>Click to edit Master title style</a:t>
             </a:r>
-            <a:endParaRPr lang="en-US"/>
           </a:p>
         </p:txBody>
       </p:sp>
@@ -2184,7 +2169,7 @@
           <a:p>
             <a:fld id="{E9BE04B4-6C31-4481-99E0-ADD221C65B37}" type="datetimeFigureOut">
               <a:rPr lang="en-US" smtClean="0"/>
-              <a:t>3/18/17</a:t>
+              <a:t>4/26/2021</a:t>
             </a:fld>
             <a:endParaRPr lang="en-US"/>
           </a:p>
@@ -2279,7 +2264,7 @@
           <a:p>
             <a:fld id="{E9BE04B4-6C31-4481-99E0-ADD221C65B37}" type="datetimeFigureOut">
               <a:rPr lang="en-US" smtClean="0"/>
-              <a:t>3/18/17</a:t>
+              <a:t>4/26/2021</a:t>
             </a:fld>
             <a:endParaRPr lang="en-US"/>
           </a:p>
@@ -2382,10 +2367,9 @@
           </a:lstStyle>
           <a:p>
             <a:r>
-              <a:rPr lang="en-US" smtClean="0"/>
+              <a:rPr lang="en-US"/>
               <a:t>Click to edit Master title style</a:t>
             </a:r>
-            <a:endParaRPr lang="en-US"/>
           </a:p>
         </p:txBody>
       </p:sp>
@@ -2439,38 +2423,37 @@
           <a:p>
             <a:pPr lvl="0"/>
             <a:r>
-              <a:rPr lang="en-US" smtClean="0"/>
+              <a:rPr lang="en-US"/>
               <a:t>Click to edit Master text styles</a:t>
             </a:r>
           </a:p>
           <a:p>
             <a:pPr lvl="1"/>
             <a:r>
-              <a:rPr lang="en-US" smtClean="0"/>
+              <a:rPr lang="en-US"/>
               <a:t>Second level</a:t>
             </a:r>
           </a:p>
           <a:p>
             <a:pPr lvl="2"/>
             <a:r>
-              <a:rPr lang="en-US" smtClean="0"/>
+              <a:rPr lang="en-US"/>
               <a:t>Third level</a:t>
             </a:r>
           </a:p>
           <a:p>
             <a:pPr lvl="3"/>
             <a:r>
-              <a:rPr lang="en-US" smtClean="0"/>
+              <a:rPr lang="en-US"/>
               <a:t>Fourth level</a:t>
             </a:r>
           </a:p>
           <a:p>
             <a:pPr lvl="4"/>
             <a:r>
-              <a:rPr lang="en-US" smtClean="0"/>
+              <a:rPr lang="en-US"/>
               <a:t>Fifth level</a:t>
             </a:r>
-            <a:endParaRPr lang="en-US"/>
           </a:p>
         </p:txBody>
       </p:sp>
@@ -2533,7 +2516,7 @@
           <a:p>
             <a:pPr lvl="0"/>
             <a:r>
-              <a:rPr lang="en-US" smtClean="0"/>
+              <a:rPr lang="en-US"/>
               <a:t>Click to edit Master text styles</a:t>
             </a:r>
           </a:p>
@@ -2556,7 +2539,7 @@
           <a:p>
             <a:fld id="{E9BE04B4-6C31-4481-99E0-ADD221C65B37}" type="datetimeFigureOut">
               <a:rPr lang="en-US" smtClean="0"/>
-              <a:t>3/18/17</a:t>
+              <a:t>4/26/2021</a:t>
             </a:fld>
             <a:endParaRPr lang="en-US"/>
           </a:p>
@@ -2659,10 +2642,9 @@
           </a:lstStyle>
           <a:p>
             <a:r>
-              <a:rPr lang="en-US" smtClean="0"/>
+              <a:rPr lang="en-US"/>
               <a:t>Click to edit Master title style</a:t>
             </a:r>
-            <a:endParaRPr lang="en-US"/>
           </a:p>
         </p:txBody>
       </p:sp>
@@ -2786,7 +2768,7 @@
           <a:p>
             <a:pPr lvl="0"/>
             <a:r>
-              <a:rPr lang="en-US" smtClean="0"/>
+              <a:rPr lang="en-US"/>
               <a:t>Click to edit Master text styles</a:t>
             </a:r>
           </a:p>
@@ -2809,7 +2791,7 @@
           <a:p>
             <a:fld id="{E9BE04B4-6C31-4481-99E0-ADD221C65B37}" type="datetimeFigureOut">
               <a:rPr lang="en-US" smtClean="0"/>
-              <a:t>3/18/17</a:t>
+              <a:t>4/26/2021</a:t>
             </a:fld>
             <a:endParaRPr lang="en-US"/>
           </a:p>
@@ -2918,10 +2900,9 @@
           <a:lstStyle/>
           <a:p>
             <a:r>
-              <a:rPr lang="en-US" smtClean="0"/>
+              <a:rPr lang="en-US"/>
               <a:t>Click to edit Master title style</a:t>
             </a:r>
-            <a:endParaRPr lang="en-US"/>
           </a:p>
         </p:txBody>
       </p:sp>
@@ -2952,38 +2933,37 @@
           <a:p>
             <a:pPr lvl="0"/>
             <a:r>
-              <a:rPr lang="en-US" smtClean="0"/>
+              <a:rPr lang="en-US"/>
               <a:t>Click to edit Master text styles</a:t>
             </a:r>
           </a:p>
           <a:p>
             <a:pPr lvl="1"/>
             <a:r>
-              <a:rPr lang="en-US" smtClean="0"/>
+              <a:rPr lang="en-US"/>
               <a:t>Second level</a:t>
             </a:r>
           </a:p>
           <a:p>
             <a:pPr lvl="2"/>
             <a:r>
-              <a:rPr lang="en-US" smtClean="0"/>
+              <a:rPr lang="en-US"/>
               <a:t>Third level</a:t>
             </a:r>
           </a:p>
           <a:p>
             <a:pPr lvl="3"/>
             <a:r>
-              <a:rPr lang="en-US" smtClean="0"/>
+              <a:rPr lang="en-US"/>
               <a:t>Fourth level</a:t>
             </a:r>
           </a:p>
           <a:p>
             <a:pPr lvl="4"/>
             <a:r>
-              <a:rPr lang="en-US" smtClean="0"/>
+              <a:rPr lang="en-US"/>
               <a:t>Fifth level</a:t>
             </a:r>
-            <a:endParaRPr lang="en-US"/>
           </a:p>
         </p:txBody>
       </p:sp>
@@ -3022,7 +3002,7 @@
           <a:p>
             <a:fld id="{E9BE04B4-6C31-4481-99E0-ADD221C65B37}" type="datetimeFigureOut">
               <a:rPr lang="en-US" smtClean="0"/>
-              <a:t>3/18/17</a:t>
+              <a:t>4/26/2021</a:t>
             </a:fld>
             <a:endParaRPr lang="en-US"/>
           </a:p>
@@ -3450,7 +3430,7 @@
           <a:lstStyle/>
           <a:p>
             <a:r>
-              <a:rPr lang="en-US" sz="4000" b="1" dirty="0" smtClean="0">
+              <a:rPr lang="en-US" sz="4000" b="1" dirty="0">
                 <a:solidFill>
                   <a:schemeClr val="bg1">
                     <a:lumMod val="65000"/>
@@ -3460,7 +3440,7 @@
               <a:t>ArCoBotics</a:t>
             </a:r>
             <a:br>
-              <a:rPr lang="en-US" sz="4000" b="1" dirty="0" smtClean="0">
+              <a:rPr lang="en-US" sz="4000" b="1" dirty="0">
                 <a:solidFill>
                   <a:schemeClr val="bg1">
                     <a:lumMod val="65000"/>
@@ -3469,7 +3449,7 @@
               </a:rPr>
             </a:br>
             <a:r>
-              <a:rPr lang="en-US" sz="2000" b="1" dirty="0" smtClean="0">
+              <a:rPr lang="en-US" sz="2000" b="1" dirty="0">
                 <a:solidFill>
                   <a:schemeClr val="bg1">
                     <a:lumMod val="65000"/>
@@ -3479,7 +3459,7 @@
               <a:t>Learn | Create | Share</a:t>
             </a:r>
             <a:br>
-              <a:rPr lang="en-US" sz="2000" b="1" dirty="0" smtClean="0">
+              <a:rPr lang="en-US" sz="2000" b="1" dirty="0">
                 <a:solidFill>
                   <a:schemeClr val="bg1">
                     <a:lumMod val="65000"/>
@@ -3488,7 +3468,7 @@
               </a:rPr>
             </a:br>
             <a:r>
-              <a:rPr lang="en-US" sz="2000" b="1" dirty="0" smtClean="0">
+              <a:rPr lang="en-US" sz="2000" b="1" dirty="0">
                 <a:solidFill>
                   <a:schemeClr val="bg1">
                     <a:lumMod val="65000"/>
@@ -3548,22 +3528,14 @@
             </a:lvl1pPr>
           </a:lstStyle>
           <a:p>
-            <a:r>
-              <a:rPr lang="en-US" sz="9600" b="1" dirty="0" smtClean="0">
-                <a:solidFill>
-                  <a:schemeClr val="accent1"/>
-                </a:solidFill>
-              </a:rPr>
-              <a:t/>
-            </a:r>
             <a:br>
-              <a:rPr lang="en-US" sz="9600" b="1" dirty="0" smtClean="0">
+              <a:rPr lang="en-US" sz="9600" b="1" dirty="0">
                 <a:solidFill>
                   <a:schemeClr val="accent1"/>
                 </a:solidFill>
               </a:rPr>
             </a:br>
-            <a:endParaRPr lang="en-US" sz="9600" b="1" dirty="0" smtClean="0">
+            <a:endParaRPr lang="en-US" sz="9600" b="1" dirty="0">
               <a:solidFill>
                 <a:schemeClr val="accent1"/>
               </a:solidFill>
@@ -3571,7 +3543,7 @@
           </a:p>
           <a:p>
             <a:r>
-              <a:rPr lang="en-US" sz="9600" b="1" dirty="0" smtClean="0">
+              <a:rPr lang="en-US" sz="9600" b="1" dirty="0">
                 <a:solidFill>
                   <a:schemeClr val="accent1"/>
                 </a:solidFill>
@@ -3579,25 +3551,20 @@
               <a:t>Basic </a:t>
             </a:r>
             <a:br>
-              <a:rPr lang="en-US" sz="9600" b="1" dirty="0" smtClean="0">
+              <a:rPr lang="en-US" sz="9600" b="1" dirty="0">
                 <a:solidFill>
                   <a:schemeClr val="accent1"/>
                 </a:solidFill>
               </a:rPr>
             </a:br>
             <a:r>
-              <a:rPr lang="en-US" sz="9600" b="1" dirty="0" smtClean="0">
+              <a:rPr lang="en-US" sz="9600" b="1" dirty="0">
                 <a:solidFill>
                   <a:schemeClr val="accent1"/>
                 </a:solidFill>
               </a:rPr>
               <a:t>Circuit</a:t>
             </a:r>
-            <a:endParaRPr lang="en-US" sz="9600" b="1" dirty="0">
-              <a:solidFill>
-                <a:schemeClr val="accent1"/>
-              </a:solidFill>
-            </a:endParaRPr>
           </a:p>
           <a:p>
             <a:endParaRPr lang="en-US" sz="9600" b="1" dirty="0">
@@ -3618,13 +3585,6 @@
   <p:clrMapOvr>
     <a:masterClrMapping/>
   </p:clrMapOvr>
-  <p:timing>
-    <p:tnLst>
-      <p:par>
-        <p:cTn id="1" dur="indefinite" restart="never" nodeType="tmRoot"/>
-      </p:par>
-    </p:tnLst>
-  </p:timing>
 </p:sld>
 </file>
 
@@ -5959,18 +5919,13 @@
           <a:lstStyle/>
           <a:p>
             <a:r>
-              <a:rPr lang="en-US" sz="2800" dirty="0" smtClean="0">
+              <a:rPr lang="en-US" sz="2800" dirty="0">
                 <a:solidFill>
                   <a:schemeClr val="accent1"/>
                 </a:solidFill>
               </a:rPr>
               <a:t>Serial Connection</a:t>
             </a:r>
-            <a:endParaRPr lang="en-US" sz="2800" dirty="0">
-              <a:solidFill>
-                <a:schemeClr val="accent1"/>
-              </a:solidFill>
-            </a:endParaRPr>
           </a:p>
         </p:txBody>
       </p:sp>
@@ -5997,18 +5952,13 @@
           <a:lstStyle/>
           <a:p>
             <a:r>
-              <a:rPr lang="en-US" sz="2800" dirty="0" smtClean="0">
+              <a:rPr lang="en-US" sz="2800" dirty="0">
                 <a:solidFill>
                   <a:schemeClr val="accent1"/>
                 </a:solidFill>
               </a:rPr>
               <a:t>Parallel Connection</a:t>
             </a:r>
-            <a:endParaRPr lang="en-US" sz="2800" dirty="0">
-              <a:solidFill>
-                <a:schemeClr val="accent1"/>
-              </a:solidFill>
-            </a:endParaRPr>
           </a:p>
         </p:txBody>
       </p:sp>
@@ -8952,18 +8902,13 @@
           <a:p>
             <a:pPr algn="ctr"/>
             <a:r>
-              <a:rPr lang="en-US" b="1" dirty="0" smtClean="0">
+              <a:rPr lang="en-US" b="1" dirty="0">
                 <a:solidFill>
                   <a:schemeClr val="accent1"/>
                 </a:solidFill>
               </a:rPr>
               <a:t>Short Circuit</a:t>
             </a:r>
-            <a:endParaRPr lang="en-US" b="1" dirty="0">
-              <a:solidFill>
-                <a:schemeClr val="accent1"/>
-              </a:solidFill>
-            </a:endParaRPr>
           </a:p>
         </p:txBody>
       </p:sp>
@@ -9977,18 +9922,13 @@
           <a:p>
             <a:pPr algn="ctr"/>
             <a:r>
-              <a:rPr lang="en-US" b="1" dirty="0" smtClean="0">
+              <a:rPr lang="en-US" b="1" dirty="0">
                 <a:solidFill>
                   <a:schemeClr val="accent1"/>
                 </a:solidFill>
               </a:rPr>
               <a:t>Also Short Circuit But Working</a:t>
             </a:r>
-            <a:endParaRPr lang="en-US" b="1" dirty="0">
-              <a:solidFill>
-                <a:schemeClr val="accent1"/>
-              </a:solidFill>
-            </a:endParaRPr>
           </a:p>
         </p:txBody>
       </p:sp>
@@ -11954,18 +11894,13 @@
           <a:p>
             <a:pPr algn="ctr"/>
             <a:r>
-              <a:rPr lang="en-US" b="1" dirty="0" smtClean="0">
+              <a:rPr lang="en-US" b="1" dirty="0">
                 <a:solidFill>
                   <a:schemeClr val="accent1"/>
                 </a:solidFill>
               </a:rPr>
               <a:t>Where this Circuit is used?</a:t>
             </a:r>
-            <a:endParaRPr lang="en-US" b="1" dirty="0">
-              <a:solidFill>
-                <a:schemeClr val="accent1"/>
-              </a:solidFill>
-            </a:endParaRPr>
           </a:p>
         </p:txBody>
       </p:sp>
@@ -14931,18 +14866,13 @@
           <a:p>
             <a:pPr algn="ctr"/>
             <a:r>
-              <a:rPr lang="en-US" b="1" dirty="0" smtClean="0">
+              <a:rPr lang="en-US" b="1" dirty="0">
                 <a:solidFill>
                   <a:schemeClr val="accent1"/>
                 </a:solidFill>
               </a:rPr>
               <a:t>Where this Circuit is used?</a:t>
             </a:r>
-            <a:endParaRPr lang="en-US" b="1" dirty="0">
-              <a:solidFill>
-                <a:schemeClr val="accent1"/>
-              </a:solidFill>
-            </a:endParaRPr>
           </a:p>
         </p:txBody>
       </p:sp>
@@ -16092,18 +16022,13 @@
           <a:p>
             <a:pPr algn="ctr"/>
             <a:r>
-              <a:rPr lang="en-US" b="1" dirty="0" smtClean="0">
+              <a:rPr lang="en-US" b="1" dirty="0">
                 <a:solidFill>
                   <a:schemeClr val="accent1"/>
                 </a:solidFill>
               </a:rPr>
               <a:t>Main Switch </a:t>
             </a:r>
-            <a:endParaRPr lang="en-US" b="1" dirty="0">
-              <a:solidFill>
-                <a:schemeClr val="accent1"/>
-              </a:solidFill>
-            </a:endParaRPr>
           </a:p>
         </p:txBody>
       </p:sp>
@@ -23310,18 +23235,13 @@
           <a:p>
             <a:pPr algn="ctr"/>
             <a:r>
-              <a:rPr lang="en-US" b="1" dirty="0" smtClean="0">
+              <a:rPr lang="en-US" b="1" dirty="0">
                 <a:solidFill>
                   <a:schemeClr val="accent1"/>
                 </a:solidFill>
               </a:rPr>
               <a:t>Two Way Switch Circuit</a:t>
             </a:r>
-            <a:endParaRPr lang="en-US" b="1" dirty="0">
-              <a:solidFill>
-                <a:schemeClr val="accent1"/>
-              </a:solidFill>
-            </a:endParaRPr>
           </a:p>
         </p:txBody>
       </p:sp>
@@ -23975,6 +23895,238 @@
 </p:sld>
 </file>
 
+<file path=ppt/slides/slide17.xml><?xml version="1.0" encoding="utf-8"?>
+<p:sld xmlns:a="http://schemas.openxmlformats.org/drawingml/2006/main" xmlns:r="http://schemas.openxmlformats.org/officeDocument/2006/relationships" xmlns:p="http://schemas.openxmlformats.org/presentationml/2006/main">
+  <p:cSld>
+    <p:spTree>
+      <p:nvGrpSpPr>
+        <p:cNvPr id="1" name=""/>
+        <p:cNvGrpSpPr/>
+        <p:nvPr/>
+      </p:nvGrpSpPr>
+      <p:grpSpPr>
+        <a:xfrm>
+          <a:off x="0" y="0"/>
+          <a:ext cx="0" cy="0"/>
+          <a:chOff x="0" y="0"/>
+          <a:chExt cx="0" cy="0"/>
+        </a:xfrm>
+      </p:grpSpPr>
+      <p:sp>
+        <p:nvSpPr>
+          <p:cNvPr id="2" name="Title 1">
+            <a:extLst>
+              <a:ext uri="{FF2B5EF4-FFF2-40B4-BE49-F238E27FC236}">
+                <a16:creationId xmlns:a16="http://schemas.microsoft.com/office/drawing/2014/main" id="{F1C348EA-CF95-434A-8675-844DC51900EF}"/>
+              </a:ext>
+            </a:extLst>
+          </p:cNvPr>
+          <p:cNvSpPr>
+            <a:spLocks noGrp="1"/>
+          </p:cNvSpPr>
+          <p:nvPr>
+            <p:ph type="title"/>
+          </p:nvPr>
+        </p:nvSpPr>
+        <p:spPr/>
+        <p:txBody>
+          <a:bodyPr/>
+          <a:lstStyle/>
+          <a:p>
+            <a:r>
+              <a:rPr lang="en-US" dirty="0"/>
+              <a:t>TWO way Design</a:t>
+            </a:r>
+            <a:endParaRPr lang="en-IN" dirty="0"/>
+          </a:p>
+        </p:txBody>
+      </p:sp>
+      <p:sp>
+        <p:nvSpPr>
+          <p:cNvPr id="3" name="Title 1">
+            <a:extLst>
+              <a:ext uri="{FF2B5EF4-FFF2-40B4-BE49-F238E27FC236}">
+                <a16:creationId xmlns:a16="http://schemas.microsoft.com/office/drawing/2014/main" id="{F1E41DBF-F4D2-4202-8A79-90CB0A434717}"/>
+              </a:ext>
+            </a:extLst>
+          </p:cNvPr>
+          <p:cNvSpPr txBox="1">
+            <a:spLocks/>
+          </p:cNvSpPr>
+          <p:nvPr/>
+        </p:nvSpPr>
+        <p:spPr>
+          <a:xfrm>
+            <a:off x="838200" y="3290888"/>
+            <a:ext cx="10515600" cy="1325563"/>
+          </a:xfrm>
+          <a:prstGeom prst="rect">
+            <a:avLst/>
+          </a:prstGeom>
+        </p:spPr>
+        <p:txBody>
+          <a:bodyPr vert="horz" lIns="91440" tIns="45720" rIns="91440" bIns="45720" rtlCol="0" anchor="ctr">
+            <a:normAutofit/>
+          </a:bodyPr>
+          <a:lstStyle>
+            <a:lvl1pPr algn="l" defTabSz="914400" rtl="0" eaLnBrk="1" latinLnBrk="0" hangingPunct="1">
+              <a:lnSpc>
+                <a:spcPct val="90000"/>
+              </a:lnSpc>
+              <a:spcBef>
+                <a:spcPct val="0"/>
+              </a:spcBef>
+              <a:buNone/>
+              <a:defRPr sz="4400" kern="1200">
+                <a:solidFill>
+                  <a:schemeClr val="tx1"/>
+                </a:solidFill>
+                <a:latin typeface="+mj-lt"/>
+                <a:ea typeface="+mj-ea"/>
+                <a:cs typeface="+mj-cs"/>
+              </a:defRPr>
+            </a:lvl1pPr>
+          </a:lstStyle>
+          <a:p>
+            <a:r>
+              <a:rPr lang="en-US" dirty="0"/>
+              <a:t>TWO way Design</a:t>
+            </a:r>
+            <a:endParaRPr lang="en-IN" dirty="0"/>
+          </a:p>
+        </p:txBody>
+      </p:sp>
+    </p:spTree>
+    <p:extLst>
+      <p:ext uri="{BB962C8B-B14F-4D97-AF65-F5344CB8AC3E}">
+        <p14:creationId xmlns:p14="http://schemas.microsoft.com/office/powerpoint/2010/main" val="849448102"/>
+      </p:ext>
+    </p:extLst>
+  </p:cSld>
+  <p:clrMapOvr>
+    <a:masterClrMapping/>
+  </p:clrMapOvr>
+</p:sld>
+</file>
+
+<file path=ppt/slides/slide18.xml><?xml version="1.0" encoding="utf-8"?>
+<p:sld xmlns:a="http://schemas.openxmlformats.org/drawingml/2006/main" xmlns:r="http://schemas.openxmlformats.org/officeDocument/2006/relationships" xmlns:p="http://schemas.openxmlformats.org/presentationml/2006/main">
+  <p:cSld>
+    <p:spTree>
+      <p:nvGrpSpPr>
+        <p:cNvPr id="1" name=""/>
+        <p:cNvGrpSpPr/>
+        <p:nvPr/>
+      </p:nvGrpSpPr>
+      <p:grpSpPr>
+        <a:xfrm>
+          <a:off x="0" y="0"/>
+          <a:ext cx="0" cy="0"/>
+          <a:chOff x="0" y="0"/>
+          <a:chExt cx="0" cy="0"/>
+        </a:xfrm>
+      </p:grpSpPr>
+      <p:sp>
+        <p:nvSpPr>
+          <p:cNvPr id="2" name="Title 1">
+            <a:extLst>
+              <a:ext uri="{FF2B5EF4-FFF2-40B4-BE49-F238E27FC236}">
+                <a16:creationId xmlns:a16="http://schemas.microsoft.com/office/drawing/2014/main" id="{B949431E-F231-4F42-A02D-704F062B491D}"/>
+              </a:ext>
+            </a:extLst>
+          </p:cNvPr>
+          <p:cNvSpPr>
+            <a:spLocks noGrp="1"/>
+          </p:cNvSpPr>
+          <p:nvPr>
+            <p:ph type="title"/>
+          </p:nvPr>
+        </p:nvSpPr>
+        <p:spPr/>
+        <p:txBody>
+          <a:bodyPr/>
+          <a:lstStyle/>
+          <a:p>
+            <a:endParaRPr lang="en-IN" dirty="0"/>
+          </a:p>
+        </p:txBody>
+      </p:sp>
+      <p:sp>
+        <p:nvSpPr>
+          <p:cNvPr id="3" name="Title 1">
+            <a:extLst>
+              <a:ext uri="{FF2B5EF4-FFF2-40B4-BE49-F238E27FC236}">
+                <a16:creationId xmlns:a16="http://schemas.microsoft.com/office/drawing/2014/main" id="{1CC6FB49-29D9-4887-B9CC-BDECF5AEEA05}"/>
+              </a:ext>
+            </a:extLst>
+          </p:cNvPr>
+          <p:cNvSpPr txBox="1">
+            <a:spLocks/>
+          </p:cNvSpPr>
+          <p:nvPr/>
+        </p:nvSpPr>
+        <p:spPr>
+          <a:xfrm>
+            <a:off x="838200" y="3290888"/>
+            <a:ext cx="10515600" cy="1325563"/>
+          </a:xfrm>
+          <a:prstGeom prst="rect">
+            <a:avLst/>
+          </a:prstGeom>
+        </p:spPr>
+        <p:txBody>
+          <a:bodyPr vert="horz" lIns="91440" tIns="45720" rIns="91440" bIns="45720" rtlCol="0" anchor="ctr">
+            <a:normAutofit/>
+          </a:bodyPr>
+          <a:lstStyle>
+            <a:lvl1pPr algn="l" defTabSz="914400" rtl="0" eaLnBrk="1" latinLnBrk="0" hangingPunct="1">
+              <a:lnSpc>
+                <a:spcPct val="90000"/>
+              </a:lnSpc>
+              <a:spcBef>
+                <a:spcPct val="0"/>
+              </a:spcBef>
+              <a:buNone/>
+              <a:defRPr sz="4400" kern="1200">
+                <a:solidFill>
+                  <a:schemeClr val="tx1"/>
+                </a:solidFill>
+                <a:latin typeface="+mj-lt"/>
+                <a:ea typeface="+mj-ea"/>
+                <a:cs typeface="+mj-cs"/>
+              </a:defRPr>
+            </a:lvl1pPr>
+          </a:lstStyle>
+          <a:p>
+            <a:r>
+              <a:rPr lang="en-US" dirty="0"/>
+              <a:t>To remove content please request to </a:t>
+            </a:r>
+            <a:r>
+              <a:rPr lang="en-US" err="1"/>
+              <a:t>dhruvsaidava</a:t>
+            </a:r>
+            <a:r>
+              <a:rPr lang="en-US"/>
+              <a:t>@gmail.com</a:t>
+            </a:r>
+            <a:endParaRPr lang="en-IN" dirty="0"/>
+          </a:p>
+        </p:txBody>
+      </p:sp>
+    </p:spTree>
+    <p:extLst>
+      <p:ext uri="{BB962C8B-B14F-4D97-AF65-F5344CB8AC3E}">
+        <p14:creationId xmlns:p14="http://schemas.microsoft.com/office/powerpoint/2010/main" val="1111596626"/>
+      </p:ext>
+    </p:extLst>
+  </p:cSld>
+  <p:clrMapOvr>
+    <a:masterClrMapping/>
+  </p:clrMapOvr>
+</p:sld>
+</file>
+
 <file path=ppt/slides/slide2.xml><?xml version="1.0" encoding="utf-8"?>
 <p:sld xmlns:a="http://schemas.openxmlformats.org/drawingml/2006/main" xmlns:r="http://schemas.openxmlformats.org/officeDocument/2006/relationships" xmlns:p="http://schemas.openxmlformats.org/presentationml/2006/main">
   <p:cSld>
@@ -24014,18 +24166,13 @@
           <a:p>
             <a:pPr algn="ctr"/>
             <a:r>
-              <a:rPr lang="en-US" b="1" dirty="0" smtClean="0">
+              <a:rPr lang="en-US" b="1" dirty="0">
                 <a:solidFill>
                   <a:schemeClr val="accent1"/>
                 </a:solidFill>
               </a:rPr>
               <a:t>Basic Symbols of Circuits</a:t>
             </a:r>
-            <a:endParaRPr lang="en-US" b="1" dirty="0">
-              <a:solidFill>
-                <a:schemeClr val="accent1"/>
-              </a:solidFill>
-            </a:endParaRPr>
           </a:p>
         </p:txBody>
       </p:sp>
@@ -24039,13 +24186,6 @@
   <p:clrMapOvr>
     <a:masterClrMapping/>
   </p:clrMapOvr>
-  <p:timing>
-    <p:tnLst>
-      <p:par>
-        <p:cTn id="1" dur="indefinite" restart="never" nodeType="tmRoot"/>
-      </p:par>
-    </p:tnLst>
-  </p:timing>
 </p:sld>
 </file>
 
@@ -24674,7 +24814,7 @@
                 <a:t>SWITCH</a:t>
               </a:r>
               <a:r>
-                <a:rPr lang="en-US" spc="50" dirty="0" smtClean="0">
+                <a:rPr lang="en-US" spc="50" dirty="0">
                   <a:ln w="13500">
                     <a:noFill/>
                     <a:prstDash val="solid"/>
@@ -25056,7 +25196,7 @@
             <a:p>
               <a:pPr algn="ctr"/>
               <a:r>
-                <a:rPr lang="en-US" sz="1600" spc="50" dirty="0" smtClean="0">
+                <a:rPr lang="en-US" sz="1600" spc="50" dirty="0">
                   <a:ln w="13500">
                     <a:noFill/>
                     <a:prstDash val="solid"/>
@@ -25080,7 +25220,7 @@
             <a:p>
               <a:pPr algn="ctr"/>
               <a:r>
-                <a:rPr lang="en-US" sz="1600" spc="50" dirty="0" smtClean="0">
+                <a:rPr lang="en-US" sz="1600" spc="50" dirty="0">
                   <a:ln w="13500">
                     <a:noFill/>
                     <a:prstDash val="solid"/>
@@ -25100,24 +25240,6 @@
                 </a:rPr>
                 <a:t>x2</a:t>
               </a:r>
-              <a:endParaRPr lang="en-US" sz="1600" spc="50" dirty="0">
-                <a:ln w="13500">
-                  <a:noFill/>
-                  <a:prstDash val="solid"/>
-                </a:ln>
-                <a:solidFill>
-                  <a:schemeClr val="accent1"/>
-                </a:solidFill>
-                <a:effectLst>
-                  <a:outerShdw blurRad="50800" dist="38100" dir="2700000" algn="tl" rotWithShape="0">
-                    <a:prstClr val="black">
-                      <a:alpha val="40000"/>
-                    </a:prstClr>
-                  </a:outerShdw>
-                </a:effectLst>
-                <a:latin typeface="Arial" panose="020B0604020202020204" pitchFamily="34" charset="0"/>
-                <a:cs typeface="Arial" panose="020B0604020202020204" pitchFamily="34" charset="0"/>
-              </a:endParaRPr>
             </a:p>
           </p:txBody>
         </p:sp>
@@ -25160,7 +25282,7 @@
             <a:p>
               <a:pPr algn="ctr"/>
               <a:r>
-                <a:rPr lang="en-US" sz="1600" spc="50" dirty="0" smtClean="0">
+                <a:rPr lang="en-US" sz="1600" spc="50" dirty="0">
                   <a:ln w="13500">
                     <a:noFill/>
                     <a:prstDash val="solid"/>
@@ -25184,7 +25306,7 @@
             <a:p>
               <a:pPr algn="ctr"/>
               <a:r>
-                <a:rPr lang="en-US" sz="1600" spc="50" dirty="0" smtClean="0">
+                <a:rPr lang="en-US" sz="1600" spc="50" dirty="0">
                   <a:ln w="13500">
                     <a:noFill/>
                     <a:prstDash val="solid"/>
@@ -25204,24 +25326,6 @@
                 </a:rPr>
                 <a:t>x3</a:t>
               </a:r>
-              <a:endParaRPr lang="en-US" sz="1600" spc="50" dirty="0">
-                <a:ln w="13500">
-                  <a:noFill/>
-                  <a:prstDash val="solid"/>
-                </a:ln>
-                <a:solidFill>
-                  <a:schemeClr val="accent1"/>
-                </a:solidFill>
-                <a:effectLst>
-                  <a:outerShdw blurRad="50800" dist="38100" dir="2700000" algn="tl" rotWithShape="0">
-                    <a:prstClr val="black">
-                      <a:alpha val="40000"/>
-                    </a:prstClr>
-                  </a:outerShdw>
-                </a:effectLst>
-                <a:latin typeface="Arial" panose="020B0604020202020204" pitchFamily="34" charset="0"/>
-                <a:cs typeface="Arial" panose="020B0604020202020204" pitchFamily="34" charset="0"/>
-              </a:endParaRPr>
             </a:p>
           </p:txBody>
         </p:sp>
@@ -25676,7 +25780,7 @@
             <a:p>
               <a:pPr algn="ctr"/>
               <a:r>
-                <a:rPr lang="en-US" sz="1600" spc="50" dirty="0" smtClean="0">
+                <a:rPr lang="en-US" sz="1600" spc="50" dirty="0">
                   <a:ln w="13500">
                     <a:noFill/>
                     <a:prstDash val="solid"/>
@@ -25700,7 +25804,7 @@
             <a:p>
               <a:pPr algn="ctr"/>
               <a:r>
-                <a:rPr lang="en-US" sz="1600" spc="50" dirty="0" smtClean="0">
+                <a:rPr lang="en-US" sz="1600" spc="50" dirty="0">
                   <a:ln w="13500">
                     <a:noFill/>
                     <a:prstDash val="solid"/>
@@ -25720,24 +25824,6 @@
                 </a:rPr>
                 <a:t>x1</a:t>
               </a:r>
-              <a:endParaRPr lang="en-US" sz="1600" spc="50" dirty="0">
-                <a:ln w="13500">
-                  <a:noFill/>
-                  <a:prstDash val="solid"/>
-                </a:ln>
-                <a:solidFill>
-                  <a:schemeClr val="accent1"/>
-                </a:solidFill>
-                <a:effectLst>
-                  <a:outerShdw blurRad="50800" dist="38100" dir="2700000" algn="tl" rotWithShape="0">
-                    <a:prstClr val="black">
-                      <a:alpha val="40000"/>
-                    </a:prstClr>
-                  </a:outerShdw>
-                </a:effectLst>
-                <a:latin typeface="Arial" panose="020B0604020202020204" pitchFamily="34" charset="0"/>
-                <a:cs typeface="Arial" panose="020B0604020202020204" pitchFamily="34" charset="0"/>
-              </a:endParaRPr>
             </a:p>
           </p:txBody>
         </p:sp>
@@ -26152,29 +26238,11 @@
                 </a:rPr>
                 <a:t> </a:t>
               </a:r>
-              <a:endParaRPr lang="en-US" spc="50" dirty="0" smtClean="0">
-                <a:ln w="13500">
-                  <a:noFill/>
-                  <a:prstDash val="solid"/>
-                </a:ln>
-                <a:solidFill>
-                  <a:schemeClr val="accent1"/>
-                </a:solidFill>
-                <a:effectLst>
-                  <a:outerShdw blurRad="50800" dist="38100" dir="2700000" algn="tl" rotWithShape="0">
-                    <a:prstClr val="black">
-                      <a:alpha val="40000"/>
-                    </a:prstClr>
-                  </a:outerShdw>
-                </a:effectLst>
-                <a:latin typeface="Arial" panose="020B0604020202020204" pitchFamily="34" charset="0"/>
-                <a:cs typeface="Arial" panose="020B0604020202020204" pitchFamily="34" charset="0"/>
-              </a:endParaRPr>
             </a:p>
             <a:p>
               <a:pPr algn="ctr"/>
               <a:r>
-                <a:rPr lang="en-US" sz="1600" spc="50" dirty="0" smtClean="0">
+                <a:rPr lang="en-US" sz="1600" spc="50" dirty="0">
                   <a:ln w="13500">
                     <a:noFill/>
                     <a:prstDash val="solid"/>
@@ -26195,7 +26263,7 @@
                 <a:t>BUT</a:t>
               </a:r>
               <a:r>
-                <a:rPr lang="en-US" spc="50" dirty="0" smtClean="0">
+                <a:rPr lang="en-US" spc="50" dirty="0">
                   <a:ln w="13500">
                     <a:noFill/>
                     <a:prstDash val="solid"/>
@@ -26472,7 +26540,7 @@
           <a:p>
             <a:pPr algn="ctr"/>
             <a:r>
-              <a:rPr lang="en-US" sz="1600" spc="50" dirty="0" smtClean="0">
+              <a:rPr lang="en-US" sz="1600" spc="50" dirty="0">
                 <a:ln w="13500">
                   <a:noFill/>
                   <a:prstDash val="solid"/>
@@ -26492,24 +26560,6 @@
               </a:rPr>
               <a:t>BULB</a:t>
             </a:r>
-            <a:endParaRPr lang="en-US" sz="1600" spc="50" dirty="0">
-              <a:ln w="13500">
-                <a:noFill/>
-                <a:prstDash val="solid"/>
-              </a:ln>
-              <a:solidFill>
-                <a:schemeClr val="accent1"/>
-              </a:solidFill>
-              <a:effectLst>
-                <a:outerShdw blurRad="50800" dist="38100" dir="2700000" algn="tl" rotWithShape="0">
-                  <a:prstClr val="black">
-                    <a:alpha val="40000"/>
-                  </a:prstClr>
-                </a:outerShdw>
-              </a:effectLst>
-              <a:latin typeface="Arial" panose="020B0604020202020204" pitchFamily="34" charset="0"/>
-              <a:cs typeface="Arial" panose="020B0604020202020204" pitchFamily="34" charset="0"/>
-            </a:endParaRPr>
           </a:p>
         </p:txBody>
       </p:sp>
@@ -26523,13 +26573,6 @@
   <p:clrMapOvr>
     <a:masterClrMapping/>
   </p:clrMapOvr>
-  <p:timing>
-    <p:tnLst>
-      <p:par>
-        <p:cTn id="1" dur="indefinite" restart="never" nodeType="tmRoot"/>
-      </p:par>
-    </p:tnLst>
-  </p:timing>
 </p:sld>
 </file>
 
@@ -26594,48 +26637,9 @@
               </a:rPr>
               <a:t>AC </a:t>
             </a:r>
-            <a:endParaRPr lang="en-US" sz="1600" spc="50" dirty="0" smtClean="0">
-              <a:ln w="13500">
-                <a:noFill/>
-                <a:prstDash val="solid"/>
-              </a:ln>
-              <a:solidFill>
-                <a:schemeClr val="accent1"/>
-              </a:solidFill>
-              <a:effectLst>
-                <a:outerShdw blurRad="50800" dist="38100" dir="2700000" algn="tl" rotWithShape="0">
-                  <a:prstClr val="black">
-                    <a:alpha val="40000"/>
-                  </a:prstClr>
-                </a:outerShdw>
-              </a:effectLst>
-              <a:latin typeface="Arial" panose="020B0604020202020204" pitchFamily="34" charset="0"/>
-              <a:cs typeface="Arial" panose="020B0604020202020204" pitchFamily="34" charset="0"/>
-            </a:endParaRPr>
           </a:p>
           <a:p>
             <a:pPr algn="ctr"/>
-            <a:r>
-              <a:rPr lang="en-US" sz="1600" spc="50" dirty="0" smtClean="0">
-                <a:ln w="13500">
-                  <a:noFill/>
-                  <a:prstDash val="solid"/>
-                </a:ln>
-                <a:solidFill>
-                  <a:schemeClr val="accent1"/>
-                </a:solidFill>
-                <a:effectLst>
-                  <a:outerShdw blurRad="50800" dist="38100" dir="2700000" algn="tl" rotWithShape="0">
-                    <a:prstClr val="black">
-                      <a:alpha val="40000"/>
-                    </a:prstClr>
-                  </a:outerShdw>
-                </a:effectLst>
-                <a:latin typeface="Arial" panose="020B0604020202020204" pitchFamily="34" charset="0"/>
-                <a:cs typeface="Arial" panose="020B0604020202020204" pitchFamily="34" charset="0"/>
-              </a:rPr>
-              <a:t>VOLTAGE</a:t>
-            </a:r>
             <a:r>
               <a:rPr lang="en-US" sz="1600" spc="50" dirty="0">
                 <a:ln w="13500">
@@ -26655,7 +26659,7 @@
                 <a:latin typeface="Arial" panose="020B0604020202020204" pitchFamily="34" charset="0"/>
                 <a:cs typeface="Arial" panose="020B0604020202020204" pitchFamily="34" charset="0"/>
               </a:rPr>
-              <a:t/>
+              <a:t>VOLTAGE</a:t>
             </a:r>
             <a:br>
               <a:rPr lang="en-US" sz="1600" spc="50" dirty="0">
@@ -26853,7 +26857,7 @@
             <a:p>
               <a:pPr algn="ctr"/>
               <a:r>
-                <a:rPr lang="en-US" sz="2800" b="1" dirty="0" smtClean="0">
+                <a:rPr lang="en-US" sz="2800" b="1" dirty="0">
                   <a:solidFill>
                     <a:schemeClr val="accent1"/>
                   </a:solidFill>
@@ -26861,12 +26865,6 @@
                 </a:rPr>
                 <a:t>M</a:t>
               </a:r>
-              <a:endParaRPr lang="en-US" sz="2800" b="1" dirty="0">
-                <a:solidFill>
-                  <a:schemeClr val="accent1"/>
-                </a:solidFill>
-                <a:latin typeface="Myriad Pro Cond" pitchFamily="34" charset="0"/>
-              </a:endParaRPr>
             </a:p>
           </p:txBody>
         </p:sp>
@@ -26982,7 +26980,7 @@
             <a:p>
               <a:pPr algn="ctr"/>
               <a:r>
-                <a:rPr lang="en-US" sz="2800" b="1" dirty="0" smtClean="0">
+                <a:rPr lang="en-US" sz="2800" b="1" dirty="0">
                   <a:solidFill>
                     <a:schemeClr val="accent1"/>
                   </a:solidFill>
@@ -26990,12 +26988,6 @@
                 </a:rPr>
                 <a:t>A</a:t>
               </a:r>
-              <a:endParaRPr lang="en-US" sz="2800" b="1" dirty="0">
-                <a:solidFill>
-                  <a:schemeClr val="accent1"/>
-                </a:solidFill>
-                <a:latin typeface="Myriad Pro Cond" pitchFamily="34" charset="0"/>
-              </a:endParaRPr>
             </a:p>
           </p:txBody>
         </p:sp>
@@ -27111,7 +27103,7 @@
             <a:p>
               <a:pPr algn="ctr"/>
               <a:r>
-                <a:rPr lang="en-US" sz="2800" b="1" dirty="0" smtClean="0">
+                <a:rPr lang="en-US" sz="2800" b="1" dirty="0">
                   <a:solidFill>
                     <a:schemeClr val="accent1"/>
                   </a:solidFill>
@@ -27119,12 +27111,6 @@
                 </a:rPr>
                 <a:t>V</a:t>
               </a:r>
-              <a:endParaRPr lang="en-US" sz="2800" b="1" dirty="0">
-                <a:solidFill>
-                  <a:schemeClr val="accent1"/>
-                </a:solidFill>
-                <a:latin typeface="Myriad Pro Cond" pitchFamily="34" charset="0"/>
-              </a:endParaRPr>
             </a:p>
           </p:txBody>
         </p:sp>
@@ -27188,7 +27174,7 @@
                 <a:t>ELECTRIC</a:t>
               </a:r>
               <a:r>
-                <a:rPr lang="en-US" spc="50" dirty="0" smtClean="0">
+                <a:rPr lang="en-US" spc="50" dirty="0">
                   <a:ln w="13500">
                     <a:noFill/>
                     <a:prstDash val="solid"/>
@@ -27212,7 +27198,7 @@
             <a:p>
               <a:pPr algn="ctr"/>
               <a:r>
-                <a:rPr lang="en-US" sz="1600" spc="50" dirty="0" smtClean="0">
+                <a:rPr lang="en-US" sz="1600" spc="50" dirty="0">
                   <a:ln w="13500">
                     <a:noFill/>
                     <a:prstDash val="solid"/>
@@ -27232,24 +27218,6 @@
                 </a:rPr>
                 <a:t>BELL</a:t>
               </a:r>
-              <a:endParaRPr lang="en-US" sz="1600" spc="50" dirty="0">
-                <a:ln w="13500">
-                  <a:noFill/>
-                  <a:prstDash val="solid"/>
-                </a:ln>
-                <a:solidFill>
-                  <a:schemeClr val="accent1"/>
-                </a:solidFill>
-                <a:effectLst>
-                  <a:outerShdw blurRad="50800" dist="38100" dir="2700000" algn="tl" rotWithShape="0">
-                    <a:prstClr val="black">
-                      <a:alpha val="40000"/>
-                    </a:prstClr>
-                  </a:outerShdw>
-                </a:effectLst>
-                <a:latin typeface="Arial" panose="020B0604020202020204" pitchFamily="34" charset="0"/>
-                <a:cs typeface="Arial" panose="020B0604020202020204" pitchFamily="34" charset="0"/>
-              </a:endParaRPr>
             </a:p>
           </p:txBody>
         </p:sp>
@@ -28084,7 +28052,7 @@
           <a:p>
             <a:pPr algn="ctr"/>
             <a:r>
-              <a:rPr lang="en-US" sz="6600" b="1" dirty="0" smtClean="0">
+              <a:rPr lang="en-US" sz="6600" b="1" dirty="0">
                 <a:solidFill>
                   <a:schemeClr val="accent1"/>
                 </a:solidFill>
@@ -28092,12 +28060,6 @@
               </a:rPr>
               <a:t>~</a:t>
             </a:r>
-            <a:endParaRPr lang="en-US" sz="6600" b="1" dirty="0">
-              <a:solidFill>
-                <a:schemeClr val="accent1"/>
-              </a:solidFill>
-              <a:latin typeface="Myriad Pro Cond" pitchFamily="34" charset="0"/>
-            </a:endParaRPr>
           </a:p>
         </p:txBody>
       </p:sp>
@@ -28111,13 +28073,6 @@
   <p:clrMapOvr>
     <a:masterClrMapping/>
   </p:clrMapOvr>
-  <p:timing>
-    <p:tnLst>
-      <p:par>
-        <p:cTn id="1" dur="indefinite" restart="never" nodeType="tmRoot"/>
-      </p:par>
-    </p:tnLst>
-  </p:timing>
 </p:sld>
 </file>
 
@@ -28160,18 +28115,13 @@
           <a:p>
             <a:pPr algn="ctr"/>
             <a:r>
-              <a:rPr lang="en-US" b="1" dirty="0" smtClean="0">
+              <a:rPr lang="en-US" b="1" dirty="0">
                 <a:solidFill>
                   <a:schemeClr val="accent1"/>
                 </a:solidFill>
               </a:rPr>
               <a:t>Lets make a simple circuit</a:t>
             </a:r>
-            <a:endParaRPr lang="en-US" b="1" dirty="0">
-              <a:solidFill>
-                <a:schemeClr val="accent1"/>
-              </a:solidFill>
-            </a:endParaRPr>
           </a:p>
         </p:txBody>
       </p:sp>
@@ -28185,13 +28135,6 @@
   <p:clrMapOvr>
     <a:masterClrMapping/>
   </p:clrMapOvr>
-  <p:timing>
-    <p:tnLst>
-      <p:par>
-        <p:cTn id="1" dur="indefinite" restart="never" nodeType="tmRoot"/>
-      </p:par>
-    </p:tnLst>
-  </p:timing>
 </p:sld>
 </file>
 
@@ -28236,7 +28179,7 @@
           <a:p>
             <a:pPr algn="r"/>
             <a:r>
-              <a:rPr lang="en-US" spc="50" dirty="0" smtClean="0">
+              <a:rPr lang="en-US" spc="50" dirty="0">
                 <a:ln w="13500">
                   <a:noFill/>
                   <a:prstDash val="solid"/>
@@ -28256,24 +28199,6 @@
               </a:rPr>
               <a:t>BULB</a:t>
             </a:r>
-            <a:endParaRPr lang="en-US" spc="50" dirty="0">
-              <a:ln w="13500">
-                <a:noFill/>
-                <a:prstDash val="solid"/>
-              </a:ln>
-              <a:solidFill>
-                <a:schemeClr val="accent1"/>
-              </a:solidFill>
-              <a:effectLst>
-                <a:outerShdw blurRad="50800" dist="38100" dir="2700000" algn="tl" rotWithShape="0">
-                  <a:prstClr val="black">
-                    <a:alpha val="40000"/>
-                  </a:prstClr>
-                </a:outerShdw>
-              </a:effectLst>
-              <a:latin typeface="Arial" panose="020B0604020202020204" pitchFamily="34" charset="0"/>
-              <a:cs typeface="Arial" panose="020B0604020202020204" pitchFamily="34" charset="0"/>
-            </a:endParaRPr>
           </a:p>
         </p:txBody>
       </p:sp>
@@ -29246,18 +29171,13 @@
           <a:lstStyle/>
           <a:p>
             <a:r>
-              <a:rPr lang="en-US" sz="3600" dirty="0" smtClean="0">
+              <a:rPr lang="en-US" sz="3600" dirty="0">
                 <a:solidFill>
                   <a:schemeClr val="accent1"/>
                 </a:solidFill>
               </a:rPr>
               <a:t>Click on Switch </a:t>
             </a:r>
-            <a:endParaRPr lang="en-US" sz="3600" dirty="0">
-              <a:solidFill>
-                <a:schemeClr val="accent1"/>
-              </a:solidFill>
-            </a:endParaRPr>
           </a:p>
         </p:txBody>
       </p:sp>
@@ -30136,18 +30056,13 @@
           <a:p>
             <a:pPr algn="ctr"/>
             <a:r>
-              <a:rPr lang="en-US" b="1" dirty="0" smtClean="0">
+              <a:rPr lang="en-US" b="1" dirty="0">
                 <a:solidFill>
                   <a:schemeClr val="accent1"/>
                 </a:solidFill>
               </a:rPr>
               <a:t>How to use this circuit ?</a:t>
             </a:r>
-            <a:endParaRPr lang="en-US" b="1" dirty="0">
-              <a:solidFill>
-                <a:schemeClr val="accent1"/>
-              </a:solidFill>
-            </a:endParaRPr>
           </a:p>
         </p:txBody>
       </p:sp>
@@ -30161,13 +30076,6 @@
   <p:clrMapOvr>
     <a:masterClrMapping/>
   </p:clrMapOvr>
-  <p:timing>
-    <p:tnLst>
-      <p:par>
-        <p:cTn id="1" dur="indefinite" restart="never" nodeType="tmRoot"/>
-      </p:par>
-    </p:tnLst>
-  </p:timing>
 </p:sld>
 </file>
 
@@ -30270,7 +30178,7 @@
           <a:p>
             <a:pPr algn="r"/>
             <a:r>
-              <a:rPr lang="en-US" spc="50" dirty="0" smtClean="0">
+              <a:rPr lang="en-US" spc="50" dirty="0">
                 <a:ln w="13500">
                   <a:noFill/>
                   <a:prstDash val="solid"/>
@@ -30292,26 +30200,6 @@
               </a:rPr>
               <a:t>BULB</a:t>
             </a:r>
-            <a:endParaRPr lang="en-US" spc="50" dirty="0">
-              <a:ln w="13500">
-                <a:noFill/>
-                <a:prstDash val="solid"/>
-              </a:ln>
-              <a:solidFill>
-                <a:schemeClr val="accent1">
-                  <a:alpha val="95000"/>
-                </a:schemeClr>
-              </a:solidFill>
-              <a:effectLst>
-                <a:outerShdw blurRad="50800" dist="38100" dir="2700000" algn="tl" rotWithShape="0">
-                  <a:prstClr val="black">
-                    <a:alpha val="40000"/>
-                  </a:prstClr>
-                </a:outerShdw>
-              </a:effectLst>
-              <a:latin typeface="Arial" panose="020B0604020202020204" pitchFamily="34" charset="0"/>
-              <a:cs typeface="Arial" panose="020B0604020202020204" pitchFamily="34" charset="0"/>
-            </a:endParaRPr>
           </a:p>
         </p:txBody>
       </p:sp>
@@ -31587,18 +31475,13 @@
           <a:p>
             <a:pPr algn="ctr"/>
             <a:r>
-              <a:rPr lang="en-US" b="1" dirty="0" smtClean="0">
+              <a:rPr lang="en-US" b="1" dirty="0">
                 <a:solidFill>
                   <a:schemeClr val="accent1"/>
                 </a:solidFill>
               </a:rPr>
               <a:t>Serial Connection</a:t>
             </a:r>
-            <a:endParaRPr lang="en-US" b="1" dirty="0">
-              <a:solidFill>
-                <a:schemeClr val="accent1"/>
-              </a:solidFill>
-            </a:endParaRPr>
           </a:p>
         </p:txBody>
       </p:sp>
